--- a/PPTX/Boss1 UI.pptx
+++ b/PPTX/Boss1 UI.pptx
@@ -104,6 +104,11 @@
       </a:defRPr>
     </a:lvl9pPr>
   </p:defaultTextStyle>
+  <p:extLst>
+    <p:ext uri="{EFAFB233-063F-42B5-8137-9DF3F51BA10A}">
+      <p15:sldGuideLst xmlns:p15="http://schemas.microsoft.com/office/powerpoint/2012/main"/>
+    </p:ext>
+  </p:extLst>
 </p:presentation>
 </file>
 
@@ -144,27 +149,15 @@
             <c:idx val="0"/>
             <c:bubble3D val="0"/>
             <c:spPr>
-              <a:pattFill prst="ltUpDiag">
-                <a:fgClr>
-                  <a:schemeClr val="accent1"/>
-                </a:fgClr>
-                <a:bgClr>
-                  <a:schemeClr val="accent1">
-                    <a:lumMod val="20000"/>
-                    <a:lumOff val="80000"/>
-                  </a:schemeClr>
-                </a:bgClr>
-              </a:pattFill>
+              <a:solidFill>
+                <a:schemeClr val="accent1"/>
+              </a:solidFill>
               <a:ln w="19050">
                 <a:solidFill>
                   <a:schemeClr val="lt1"/>
                 </a:solidFill>
               </a:ln>
-              <a:effectLst>
-                <a:innerShdw blurRad="114300">
-                  <a:schemeClr val="accent1"/>
-                </a:innerShdw>
-              </a:effectLst>
+              <a:effectLst/>
             </c:spPr>
             <c:extLst>
               <c:ext xmlns:c16="http://schemas.microsoft.com/office/drawing/2014/chart" uri="{C3380CC4-5D6E-409C-BE32-E72D297353CC}">
@@ -176,27 +169,15 @@
             <c:idx val="1"/>
             <c:bubble3D val="0"/>
             <c:spPr>
-              <a:pattFill prst="ltUpDiag">
-                <a:fgClr>
-                  <a:schemeClr val="accent2"/>
-                </a:fgClr>
-                <a:bgClr>
-                  <a:schemeClr val="accent2">
-                    <a:lumMod val="20000"/>
-                    <a:lumOff val="80000"/>
-                  </a:schemeClr>
-                </a:bgClr>
-              </a:pattFill>
+              <a:solidFill>
+                <a:schemeClr val="accent2"/>
+              </a:solidFill>
               <a:ln w="19050">
                 <a:solidFill>
                   <a:schemeClr val="lt1"/>
                 </a:solidFill>
               </a:ln>
-              <a:effectLst>
-                <a:innerShdw blurRad="114300">
-                  <a:schemeClr val="accent2"/>
-                </a:innerShdw>
-              </a:effectLst>
+              <a:effectLst/>
             </c:spPr>
             <c:extLst>
               <c:ext xmlns:c16="http://schemas.microsoft.com/office/drawing/2014/chart" uri="{C3380CC4-5D6E-409C-BE32-E72D297353CC}">
@@ -208,27 +189,15 @@
             <c:idx val="2"/>
             <c:bubble3D val="0"/>
             <c:spPr>
-              <a:pattFill prst="ltUpDiag">
-                <a:fgClr>
-                  <a:schemeClr val="accent3"/>
-                </a:fgClr>
-                <a:bgClr>
-                  <a:schemeClr val="accent3">
-                    <a:lumMod val="20000"/>
-                    <a:lumOff val="80000"/>
-                  </a:schemeClr>
-                </a:bgClr>
-              </a:pattFill>
+              <a:solidFill>
+                <a:schemeClr val="accent3"/>
+              </a:solidFill>
               <a:ln w="19050">
                 <a:solidFill>
                   <a:schemeClr val="lt1"/>
                 </a:solidFill>
               </a:ln>
-              <a:effectLst>
-                <a:innerShdw blurRad="114300">
-                  <a:schemeClr val="accent3"/>
-                </a:innerShdw>
-              </a:effectLst>
+              <a:effectLst/>
             </c:spPr>
             <c:extLst>
               <c:ext xmlns:c16="http://schemas.microsoft.com/office/drawing/2014/chart" uri="{C3380CC4-5D6E-409C-BE32-E72D297353CC}">
@@ -240,27 +209,15 @@
             <c:idx val="3"/>
             <c:bubble3D val="0"/>
             <c:spPr>
-              <a:pattFill prst="ltUpDiag">
-                <a:fgClr>
-                  <a:schemeClr val="accent4"/>
-                </a:fgClr>
-                <a:bgClr>
-                  <a:schemeClr val="accent4">
-                    <a:lumMod val="20000"/>
-                    <a:lumOff val="80000"/>
-                  </a:schemeClr>
-                </a:bgClr>
-              </a:pattFill>
+              <a:solidFill>
+                <a:schemeClr val="accent4"/>
+              </a:solidFill>
               <a:ln w="19050">
                 <a:solidFill>
                   <a:schemeClr val="lt1"/>
                 </a:solidFill>
               </a:ln>
-              <a:effectLst>
-                <a:innerShdw blurRad="114300">
-                  <a:schemeClr val="accent4"/>
-                </a:innerShdw>
-              </a:effectLst>
+              <a:effectLst/>
             </c:spPr>
             <c:extLst>
               <c:ext xmlns:c16="http://schemas.microsoft.com/office/drawing/2014/chart" uri="{C3380CC4-5D6E-409C-BE32-E72D297353CC}">
@@ -410,7 +367,7 @@
 </file>
 
 <file path=ppt/charts/style1.xml><?xml version="1.0" encoding="utf-8"?>
-<cs:chartStyle xmlns:cs="http://schemas.microsoft.com/office/drawing/2012/chartStyle" xmlns:a="http://schemas.openxmlformats.org/drawingml/2006/main" id="252">
+<cs:chartStyle xmlns:cs="http://schemas.microsoft.com/office/drawing/2012/chartStyle" xmlns:a="http://schemas.openxmlformats.org/drawingml/2006/main" id="251">
   <cs:axisTitle>
     <cs:lnRef idx="0"/>
     <cs:fillRef idx="0"/>
@@ -421,7 +378,7 @@
         <a:lumOff val="35000"/>
       </a:schemeClr>
     </cs:fontRef>
-    <cs:defRPr sz="1197" b="1" kern="1200"/>
+    <cs:defRPr sz="1330" kern="1200"/>
   </cs:axisTitle>
   <cs:categoryAxis>
     <cs:lnRef idx="0"/>
@@ -434,11 +391,11 @@
       </a:schemeClr>
     </cs:fontRef>
     <cs:spPr>
-      <a:ln w="19050" cap="flat" cmpd="sng" algn="ctr">
+      <a:ln w="9525" cap="flat" cmpd="sng" algn="ctr">
         <a:solidFill>
           <a:schemeClr val="tx1">
-            <a:lumMod val="25000"/>
-            <a:lumOff val="75000"/>
+            <a:lumMod val="15000"/>
+            <a:lumOff val="85000"/>
           </a:schemeClr>
         </a:solidFill>
         <a:round/>
@@ -451,7 +408,7 @@
     <cs:fillRef idx="0"/>
     <cs:effectRef idx="0"/>
     <cs:fontRef idx="minor">
-      <a:schemeClr val="dk1"/>
+      <a:schemeClr val="tx1"/>
     </cs:fontRef>
     <cs:spPr>
       <a:solidFill>
@@ -511,70 +468,36 @@
   </cs:dataLabelCallout>
   <cs:dataPoint>
     <cs:lnRef idx="0"/>
-    <cs:fillRef idx="0">
+    <cs:fillRef idx="1">
       <cs:styleClr val="auto"/>
     </cs:fillRef>
-    <cs:effectRef idx="0">
-      <cs:styleClr val="auto"/>
-    </cs:effectRef>
+    <cs:effectRef idx="0"/>
     <cs:fontRef idx="minor">
-      <a:schemeClr val="dk1"/>
+      <a:schemeClr val="tx1"/>
     </cs:fontRef>
     <cs:spPr>
-      <a:pattFill prst="ltUpDiag">
-        <a:fgClr>
-          <a:schemeClr val="phClr"/>
-        </a:fgClr>
-        <a:bgClr>
-          <a:schemeClr val="phClr">
-            <a:lumMod val="20000"/>
-            <a:lumOff val="80000"/>
-          </a:schemeClr>
-        </a:bgClr>
-      </a:pattFill>
       <a:ln w="19050">
         <a:solidFill>
           <a:schemeClr val="lt1"/>
         </a:solidFill>
       </a:ln>
-      <a:effectLst>
-        <a:innerShdw blurRad="114300">
-          <a:schemeClr val="phClr"/>
-        </a:innerShdw>
-      </a:effectLst>
     </cs:spPr>
   </cs:dataPoint>
   <cs:dataPoint3D>
     <cs:lnRef idx="0"/>
-    <cs:fillRef idx="0">
+    <cs:fillRef idx="1">
       <cs:styleClr val="auto"/>
     </cs:fillRef>
     <cs:effectRef idx="0"/>
     <cs:fontRef idx="minor">
-      <a:schemeClr val="dk1"/>
+      <a:schemeClr val="tx1"/>
     </cs:fontRef>
     <cs:spPr>
-      <a:pattFill prst="ltUpDiag">
-        <a:fgClr>
-          <a:schemeClr val="phClr"/>
-        </a:fgClr>
-        <a:bgClr>
-          <a:schemeClr val="phClr">
-            <a:lumMod val="20000"/>
-            <a:lumOff val="80000"/>
-          </a:schemeClr>
-        </a:bgClr>
-      </a:pattFill>
-      <a:ln w="19050">
+      <a:ln w="25400">
         <a:solidFill>
           <a:schemeClr val="lt1"/>
         </a:solidFill>
       </a:ln>
-      <a:effectLst>
-        <a:innerShdw blurRad="114300">
-          <a:schemeClr val="phClr"/>
-        </a:innerShdw>
-      </a:effectLst>
     </cs:spPr>
   </cs:dataPoint3D>
   <cs:dataPointLine>
@@ -584,7 +507,7 @@
     <cs:fillRef idx="0"/>
     <cs:effectRef idx="0"/>
     <cs:fontRef idx="minor">
-      <a:schemeClr val="dk1"/>
+      <a:schemeClr val="tx1"/>
     </cs:fontRef>
     <cs:spPr>
       <a:ln w="28575" cap="rnd">
@@ -596,26 +519,25 @@
     </cs:spPr>
   </cs:dataPointLine>
   <cs:dataPointMarker>
-    <cs:lnRef idx="0"/>
-    <cs:fillRef idx="0">
+    <cs:lnRef idx="0">
+      <cs:styleClr val="auto"/>
+    </cs:lnRef>
+    <cs:fillRef idx="1">
       <cs:styleClr val="auto"/>
     </cs:fillRef>
     <cs:effectRef idx="0"/>
     <cs:fontRef idx="minor">
-      <a:schemeClr val="dk1"/>
+      <a:schemeClr val="tx1"/>
     </cs:fontRef>
     <cs:spPr>
-      <a:solidFill>
-        <a:schemeClr val="phClr"/>
-      </a:solidFill>
       <a:ln w="9525">
         <a:solidFill>
-          <a:schemeClr val="lt1"/>
+          <a:schemeClr val="phClr"/>
         </a:solidFill>
       </a:ln>
     </cs:spPr>
   </cs:dataPointMarker>
-  <cs:dataPointMarkerLayout symbol="circle" size="6"/>
+  <cs:dataPointMarkerLayout symbol="circle" size="5"/>
   <cs:dataPointWireframe>
     <cs:lnRef idx="0">
       <cs:styleClr val="auto"/>
@@ -623,7 +545,7 @@
     <cs:fillRef idx="0"/>
     <cs:effectRef idx="0"/>
     <cs:fontRef idx="minor">
-      <a:schemeClr val="dk1"/>
+      <a:schemeClr val="tx1"/>
     </cs:fontRef>
     <cs:spPr>
       <a:ln w="9525" cap="rnd">
@@ -645,13 +567,15 @@
       </a:schemeClr>
     </cs:fontRef>
     <cs:spPr>
-      <a:ln w="9525">
+      <a:noFill/>
+      <a:ln w="9525" cap="flat" cmpd="sng" algn="ctr">
         <a:solidFill>
           <a:schemeClr val="tx1">
             <a:lumMod val="15000"/>
             <a:lumOff val="85000"/>
           </a:schemeClr>
         </a:solidFill>
+        <a:round/>
       </a:ln>
     </cs:spPr>
     <cs:defRPr sz="1197" kern="1200"/>
@@ -661,7 +585,7 @@
     <cs:fillRef idx="0"/>
     <cs:effectRef idx="0"/>
     <cs:fontRef idx="minor">
-      <a:schemeClr val="dk1"/>
+      <a:schemeClr val="tx1"/>
     </cs:fontRef>
     <cs:spPr>
       <a:solidFill>
@@ -670,13 +594,14 @@
           <a:lumOff val="25000"/>
         </a:schemeClr>
       </a:solidFill>
-      <a:ln w="9525">
+      <a:ln w="9525" cap="flat" cmpd="sng" algn="ctr">
         <a:solidFill>
           <a:schemeClr val="tx1">
-            <a:lumMod val="50000"/>
-            <a:lumOff val="50000"/>
+            <a:lumMod val="65000"/>
+            <a:lumOff val="35000"/>
           </a:schemeClr>
         </a:solidFill>
+        <a:round/>
       </a:ln>
     </cs:spPr>
   </cs:downBar>
@@ -685,10 +610,10 @@
     <cs:fillRef idx="0"/>
     <cs:effectRef idx="0"/>
     <cs:fontRef idx="minor">
-      <a:schemeClr val="dk1"/>
+      <a:schemeClr val="tx1"/>
     </cs:fontRef>
     <cs:spPr>
-      <a:ln w="9525">
+      <a:ln w="9525" cap="flat" cmpd="sng" algn="ctr">
         <a:solidFill>
           <a:schemeClr val="tx1">
             <a:lumMod val="35000"/>
@@ -704,14 +629,14 @@
     <cs:fillRef idx="0"/>
     <cs:effectRef idx="0"/>
     <cs:fontRef idx="minor">
-      <a:schemeClr val="dk1"/>
+      <a:schemeClr val="tx1"/>
     </cs:fontRef>
     <cs:spPr>
-      <a:ln w="9525">
+      <a:ln w="9525" cap="flat" cmpd="sng" algn="ctr">
         <a:solidFill>
           <a:schemeClr val="tx1">
-            <a:lumMod val="50000"/>
-            <a:lumOff val="50000"/>
+            <a:lumMod val="65000"/>
+            <a:lumOff val="35000"/>
           </a:schemeClr>
         </a:solidFill>
         <a:round/>
@@ -723,24 +648,31 @@
     <cs:fillRef idx="0"/>
     <cs:effectRef idx="0"/>
     <cs:fontRef idx="minor">
-      <a:schemeClr val="dk1"/>
+      <a:schemeClr val="tx1"/>
     </cs:fontRef>
+    <cs:spPr>
+      <a:noFill/>
+      <a:ln>
+        <a:noFill/>
+      </a:ln>
+    </cs:spPr>
   </cs:floor>
   <cs:gridlineMajor>
     <cs:lnRef idx="0"/>
     <cs:fillRef idx="0"/>
     <cs:effectRef idx="0"/>
     <cs:fontRef idx="minor">
-      <a:schemeClr val="dk1"/>
+      <a:schemeClr val="tx1"/>
     </cs:fontRef>
     <cs:spPr>
-      <a:ln>
+      <a:ln w="9525" cap="flat" cmpd="sng" algn="ctr">
         <a:solidFill>
           <a:schemeClr val="tx1">
             <a:lumMod val="15000"/>
             <a:lumOff val="85000"/>
           </a:schemeClr>
         </a:solidFill>
+        <a:round/>
       </a:ln>
     </cs:spPr>
   </cs:gridlineMajor>
@@ -749,16 +681,17 @@
     <cs:fillRef idx="0"/>
     <cs:effectRef idx="0"/>
     <cs:fontRef idx="minor">
-      <a:schemeClr val="dk1"/>
+      <a:schemeClr val="tx1"/>
     </cs:fontRef>
     <cs:spPr>
-      <a:ln>
+      <a:ln w="9525" cap="flat" cmpd="sng" algn="ctr">
         <a:solidFill>
           <a:schemeClr val="tx1">
             <a:lumMod val="5000"/>
             <a:lumOff val="95000"/>
           </a:schemeClr>
         </a:solidFill>
+        <a:round/>
       </a:ln>
     </cs:spPr>
   </cs:gridlineMinor>
@@ -767,14 +700,14 @@
     <cs:fillRef idx="0"/>
     <cs:effectRef idx="0"/>
     <cs:fontRef idx="minor">
-      <a:schemeClr val="dk1"/>
+      <a:schemeClr val="tx1"/>
     </cs:fontRef>
     <cs:spPr>
-      <a:ln w="9525">
+      <a:ln w="9525" cap="flat" cmpd="sng" algn="ctr">
         <a:solidFill>
           <a:schemeClr val="tx1">
-            <a:lumMod val="35000"/>
-            <a:lumOff val="65000"/>
+            <a:lumMod val="50000"/>
+            <a:lumOff val="50000"/>
           </a:schemeClr>
         </a:solidFill>
         <a:round/>
@@ -786,16 +719,17 @@
     <cs:fillRef idx="0"/>
     <cs:effectRef idx="0"/>
     <cs:fontRef idx="minor">
-      <a:schemeClr val="dk1"/>
+      <a:schemeClr val="tx1"/>
     </cs:fontRef>
     <cs:spPr>
-      <a:ln w="9525">
+      <a:ln w="9525" cap="flat" cmpd="sng" algn="ctr">
         <a:solidFill>
           <a:schemeClr val="tx1">
             <a:lumMod val="35000"/>
             <a:lumOff val="65000"/>
           </a:schemeClr>
         </a:solidFill>
+        <a:round/>
       </a:ln>
     </cs:spPr>
   </cs:leaderLine>
@@ -816,7 +750,7 @@
     <cs:fillRef idx="0"/>
     <cs:effectRef idx="0"/>
     <cs:fontRef idx="minor">
-      <a:schemeClr val="dk1"/>
+      <a:schemeClr val="tx1"/>
     </cs:fontRef>
   </cs:plotArea>
   <cs:plotArea3D mods="allowNoFillOverride allowNoLineOverride">
@@ -824,7 +758,7 @@
     <cs:fillRef idx="0"/>
     <cs:effectRef idx="0"/>
     <cs:fontRef idx="minor">
-      <a:schemeClr val="dk1"/>
+      <a:schemeClr val="tx1"/>
     </cs:fontRef>
   </cs:plotArea3D>
   <cs:seriesAxis>
@@ -844,10 +778,10 @@
     <cs:fillRef idx="0"/>
     <cs:effectRef idx="0"/>
     <cs:fontRef idx="minor">
-      <a:schemeClr val="dk1"/>
+      <a:schemeClr val="tx1"/>
     </cs:fontRef>
     <cs:spPr>
-      <a:ln w="9525">
+      <a:ln w="9525" cap="flat" cmpd="sng" algn="ctr">
         <a:solidFill>
           <a:schemeClr val="tx1">
             <a:lumMod val="35000"/>
@@ -864,11 +798,11 @@
     <cs:effectRef idx="0"/>
     <cs:fontRef idx="minor">
       <a:schemeClr val="tx1">
-        <a:lumMod val="50000"/>
-        <a:lumOff val="50000"/>
+        <a:lumMod val="65000"/>
+        <a:lumOff val="35000"/>
       </a:schemeClr>
     </cs:fontRef>
-    <cs:defRPr sz="2200" b="1" kern="1200" cap="all" spc="150" baseline="0"/>
+    <cs:defRPr sz="1862" b="0" kern="1200" spc="0" baseline="0"/>
   </cs:title>
   <cs:trendline>
     <cs:lnRef idx="0">
@@ -877,13 +811,14 @@
     <cs:fillRef idx="0"/>
     <cs:effectRef idx="0"/>
     <cs:fontRef idx="minor">
-      <a:schemeClr val="dk1"/>
+      <a:schemeClr val="tx1"/>
     </cs:fontRef>
     <cs:spPr>
       <a:ln w="19050" cap="rnd">
         <a:solidFill>
           <a:schemeClr val="phClr"/>
         </a:solidFill>
+        <a:prstDash val="sysDot"/>
       </a:ln>
     </cs:spPr>
   </cs:trendline>
@@ -904,19 +839,20 @@
     <cs:fillRef idx="0"/>
     <cs:effectRef idx="0"/>
     <cs:fontRef idx="minor">
-      <a:schemeClr val="dk1"/>
+      <a:schemeClr val="tx1"/>
     </cs:fontRef>
     <cs:spPr>
       <a:solidFill>
         <a:schemeClr val="lt1"/>
       </a:solidFill>
-      <a:ln w="9525">
+      <a:ln w="9525" cap="flat" cmpd="sng" algn="ctr">
         <a:solidFill>
           <a:schemeClr val="tx1">
-            <a:lumMod val="50000"/>
-            <a:lumOff val="50000"/>
+            <a:lumMod val="65000"/>
+            <a:lumOff val="35000"/>
           </a:schemeClr>
         </a:solidFill>
+        <a:round/>
       </a:ln>
     </cs:spPr>
   </cs:upBar>
@@ -937,8 +873,14 @@
     <cs:fillRef idx="0"/>
     <cs:effectRef idx="0"/>
     <cs:fontRef idx="minor">
-      <a:schemeClr val="dk1"/>
+      <a:schemeClr val="tx1"/>
     </cs:fontRef>
+    <cs:spPr>
+      <a:noFill/>
+      <a:ln>
+        <a:noFill/>
+      </a:ln>
+    </cs:spPr>
   </cs:wall>
 </cs:chartStyle>
 </file>
@@ -1157,7 +1099,7 @@
           <a:p>
             <a:fld id="{F576D704-C403-4B2E-99C7-B917441A63B3}" type="datetimeFigureOut">
               <a:rPr lang="ko-KR" altLang="en-US" smtClean="0"/>
-              <a:t>2023-11-29</a:t>
+              <a:t>2023-12-01</a:t>
             </a:fld>
             <a:endParaRPr lang="ko-KR" altLang="en-US"/>
           </a:p>
@@ -1355,7 +1297,7 @@
           <a:p>
             <a:fld id="{F576D704-C403-4B2E-99C7-B917441A63B3}" type="datetimeFigureOut">
               <a:rPr lang="ko-KR" altLang="en-US" smtClean="0"/>
-              <a:t>2023-11-29</a:t>
+              <a:t>2023-12-01</a:t>
             </a:fld>
             <a:endParaRPr lang="ko-KR" altLang="en-US"/>
           </a:p>
@@ -1563,7 +1505,7 @@
           <a:p>
             <a:fld id="{F576D704-C403-4B2E-99C7-B917441A63B3}" type="datetimeFigureOut">
               <a:rPr lang="ko-KR" altLang="en-US" smtClean="0"/>
-              <a:t>2023-11-29</a:t>
+              <a:t>2023-12-01</a:t>
             </a:fld>
             <a:endParaRPr lang="ko-KR" altLang="en-US"/>
           </a:p>
@@ -1761,7 +1703,7 @@
           <a:p>
             <a:fld id="{F576D704-C403-4B2E-99C7-B917441A63B3}" type="datetimeFigureOut">
               <a:rPr lang="ko-KR" altLang="en-US" smtClean="0"/>
-              <a:t>2023-11-29</a:t>
+              <a:t>2023-12-01</a:t>
             </a:fld>
             <a:endParaRPr lang="ko-KR" altLang="en-US"/>
           </a:p>
@@ -2036,7 +1978,7 @@
           <a:p>
             <a:fld id="{F576D704-C403-4B2E-99C7-B917441A63B3}" type="datetimeFigureOut">
               <a:rPr lang="ko-KR" altLang="en-US" smtClean="0"/>
-              <a:t>2023-11-29</a:t>
+              <a:t>2023-12-01</a:t>
             </a:fld>
             <a:endParaRPr lang="ko-KR" altLang="en-US"/>
           </a:p>
@@ -2301,7 +2243,7 @@
           <a:p>
             <a:fld id="{F576D704-C403-4B2E-99C7-B917441A63B3}" type="datetimeFigureOut">
               <a:rPr lang="ko-KR" altLang="en-US" smtClean="0"/>
-              <a:t>2023-11-29</a:t>
+              <a:t>2023-12-01</a:t>
             </a:fld>
             <a:endParaRPr lang="ko-KR" altLang="en-US"/>
           </a:p>
@@ -2713,7 +2655,7 @@
           <a:p>
             <a:fld id="{F576D704-C403-4B2E-99C7-B917441A63B3}" type="datetimeFigureOut">
               <a:rPr lang="ko-KR" altLang="en-US" smtClean="0"/>
-              <a:t>2023-11-29</a:t>
+              <a:t>2023-12-01</a:t>
             </a:fld>
             <a:endParaRPr lang="ko-KR" altLang="en-US"/>
           </a:p>
@@ -2854,7 +2796,7 @@
           <a:p>
             <a:fld id="{F576D704-C403-4B2E-99C7-B917441A63B3}" type="datetimeFigureOut">
               <a:rPr lang="ko-KR" altLang="en-US" smtClean="0"/>
-              <a:t>2023-11-29</a:t>
+              <a:t>2023-12-01</a:t>
             </a:fld>
             <a:endParaRPr lang="ko-KR" altLang="en-US"/>
           </a:p>
@@ -2967,7 +2909,7 @@
           <a:p>
             <a:fld id="{F576D704-C403-4B2E-99C7-B917441A63B3}" type="datetimeFigureOut">
               <a:rPr lang="ko-KR" altLang="en-US" smtClean="0"/>
-              <a:t>2023-11-29</a:t>
+              <a:t>2023-12-01</a:t>
             </a:fld>
             <a:endParaRPr lang="ko-KR" altLang="en-US"/>
           </a:p>
@@ -3278,7 +3220,7 @@
           <a:p>
             <a:fld id="{F576D704-C403-4B2E-99C7-B917441A63B3}" type="datetimeFigureOut">
               <a:rPr lang="ko-KR" altLang="en-US" smtClean="0"/>
-              <a:t>2023-11-29</a:t>
+              <a:t>2023-12-01</a:t>
             </a:fld>
             <a:endParaRPr lang="ko-KR" altLang="en-US"/>
           </a:p>
@@ -3566,7 +3508,7 @@
           <a:p>
             <a:fld id="{F576D704-C403-4B2E-99C7-B917441A63B3}" type="datetimeFigureOut">
               <a:rPr lang="ko-KR" altLang="en-US" smtClean="0"/>
-              <a:t>2023-11-29</a:t>
+              <a:t>2023-12-01</a:t>
             </a:fld>
             <a:endParaRPr lang="ko-KR" altLang="en-US"/>
           </a:p>
@@ -3807,7 +3749,7 @@
           <a:p>
             <a:fld id="{F576D704-C403-4B2E-99C7-B917441A63B3}" type="datetimeFigureOut">
               <a:rPr lang="ko-KR" altLang="en-US" smtClean="0"/>
-              <a:t>2023-11-29</a:t>
+              <a:t>2023-12-01</a:t>
             </a:fld>
             <a:endParaRPr lang="ko-KR" altLang="en-US"/>
           </a:p>
@@ -4378,7 +4320,7 @@
           <p:nvPr>
             <p:extLst>
               <p:ext uri="{D42A27DB-BD31-4B8C-83A1-F6EECF244321}">
-                <p14:modId xmlns:p14="http://schemas.microsoft.com/office/powerpoint/2010/main" val="3674817500"/>
+                <p14:modId xmlns:p14="http://schemas.microsoft.com/office/powerpoint/2010/main" val="2450030038"/>
               </p:ext>
             </p:extLst>
           </p:nvPr>
@@ -4484,15 +4426,7 @@
           <p:nvPr/>
         </p:nvPicPr>
         <p:blipFill>
-          <a:blip r:embed="rId5">
-            <a:duotone>
-              <a:schemeClr val="bg2">
-                <a:shade val="45000"/>
-                <a:satMod val="135000"/>
-              </a:schemeClr>
-              <a:prstClr val="white"/>
-            </a:duotone>
-          </a:blip>
+          <a:blip r:embed="rId5"/>
           <a:stretch>
             <a:fillRect/>
           </a:stretch>
